--- a/Presentation模板.pptx
+++ b/Presentation模板.pptx
@@ -8,6 +8,8 @@
     <p:sldId id="256" r:id="rId2"/>
     <p:sldId id="257" r:id="rId3"/>
     <p:sldId id="258" r:id="rId4"/>
+    <p:sldId id="259" r:id="rId5"/>
+    <p:sldId id="260" r:id="rId6"/>
   </p:sldIdLst>
   <p:sldSz cx="12192000" cy="6858000"/>
   <p:notesSz cx="6858000" cy="9144000"/>
@@ -106,6 +108,11 @@
       </a:defRPr>
     </a:lvl9pPr>
   </p:defaultTextStyle>
+  <p:extLst>
+    <p:ext uri="{EFAFB233-063F-42B5-8137-9DF3F51BA10A}">
+      <p15:sldGuideLst xmlns:p15="http://schemas.microsoft.com/office/powerpoint/2012/main"/>
+    </p:ext>
+  </p:extLst>
 </p:presentation>
 </file>
 
@@ -2863,12 +2870,15 @@
           </a:bodyPr>
           <a:lstStyle>
             <a:lvl1pPr>
-              <a:defRPr sz="3600"/>
+              <a:defRPr sz="4400">
+                <a:latin typeface="微软雅黑" panose="020B0503020204020204" pitchFamily="34" charset="-122"/>
+                <a:ea typeface="微软雅黑" panose="020B0503020204020204" pitchFamily="34" charset="-122"/>
+              </a:defRPr>
             </a:lvl1pPr>
           </a:lstStyle>
           <a:p>
             <a:r>
-              <a:rPr lang="en-US" altLang="zh-CN" smtClean="0"/>
+              <a:rPr lang="en-US" altLang="zh-CN" dirty="0" smtClean="0"/>
               <a:t>Click to edit Master title style</a:t>
             </a:r>
             <a:endParaRPr lang="en-US" dirty="0"/>
@@ -2888,39 +2898,70 @@
         <p:spPr/>
         <p:txBody>
           <a:bodyPr/>
-          <a:lstStyle/>
+          <a:lstStyle>
+            <a:lvl1pPr>
+              <a:defRPr sz="2400">
+                <a:latin typeface="微软雅黑" panose="020B0503020204020204" pitchFamily="34" charset="-122"/>
+                <a:ea typeface="微软雅黑" panose="020B0503020204020204" pitchFamily="34" charset="-122"/>
+              </a:defRPr>
+            </a:lvl1pPr>
+            <a:lvl2pPr>
+              <a:defRPr sz="2000">
+                <a:latin typeface="微软雅黑" panose="020B0503020204020204" pitchFamily="34" charset="-122"/>
+                <a:ea typeface="微软雅黑" panose="020B0503020204020204" pitchFamily="34" charset="-122"/>
+              </a:defRPr>
+            </a:lvl2pPr>
+            <a:lvl3pPr>
+              <a:defRPr>
+                <a:latin typeface="微软雅黑" panose="020B0503020204020204" pitchFamily="34" charset="-122"/>
+                <a:ea typeface="微软雅黑" panose="020B0503020204020204" pitchFamily="34" charset="-122"/>
+              </a:defRPr>
+            </a:lvl3pPr>
+            <a:lvl4pPr>
+              <a:defRPr>
+                <a:latin typeface="微软雅黑" panose="020B0503020204020204" pitchFamily="34" charset="-122"/>
+                <a:ea typeface="微软雅黑" panose="020B0503020204020204" pitchFamily="34" charset="-122"/>
+              </a:defRPr>
+            </a:lvl4pPr>
+            <a:lvl5pPr>
+              <a:defRPr>
+                <a:latin typeface="微软雅黑" panose="020B0503020204020204" pitchFamily="34" charset="-122"/>
+                <a:ea typeface="微软雅黑" panose="020B0503020204020204" pitchFamily="34" charset="-122"/>
+              </a:defRPr>
+            </a:lvl5pPr>
+          </a:lstStyle>
           <a:p>
             <a:pPr lvl="0"/>
             <a:r>
-              <a:rPr lang="en-US" altLang="zh-CN" smtClean="0"/>
+              <a:rPr lang="en-US" altLang="zh-CN" dirty="0" smtClean="0"/>
               <a:t>Click to edit Master text styles</a:t>
             </a:r>
           </a:p>
           <a:p>
             <a:pPr lvl="1"/>
             <a:r>
-              <a:rPr lang="en-US" altLang="zh-CN" smtClean="0"/>
+              <a:rPr lang="en-US" altLang="zh-CN" dirty="0" smtClean="0"/>
               <a:t>Second level</a:t>
             </a:r>
           </a:p>
           <a:p>
             <a:pPr lvl="2"/>
             <a:r>
-              <a:rPr lang="en-US" altLang="zh-CN" smtClean="0"/>
+              <a:rPr lang="en-US" altLang="zh-CN" dirty="0" smtClean="0"/>
               <a:t>Third level</a:t>
             </a:r>
           </a:p>
           <a:p>
             <a:pPr lvl="3"/>
             <a:r>
-              <a:rPr lang="en-US" altLang="zh-CN" smtClean="0"/>
+              <a:rPr lang="en-US" altLang="zh-CN" dirty="0" smtClean="0"/>
               <a:t>Fourth level</a:t>
             </a:r>
           </a:p>
           <a:p>
             <a:pPr lvl="4"/>
             <a:r>
-              <a:rPr lang="en-US" altLang="zh-CN" smtClean="0"/>
+              <a:rPr lang="en-US" altLang="zh-CN" dirty="0" smtClean="0"/>
               <a:t>Fifth level</a:t>
             </a:r>
             <a:endParaRPr lang="en-US" dirty="0"/>
@@ -5784,7 +5825,7 @@
           <a:bodyPr/>
           <a:lstStyle/>
           <a:p>
-            <a:endParaRPr lang="zh-CN" altLang="en-US"/>
+            <a:endParaRPr lang="zh-CN" altLang="en-US" dirty="0"/>
           </a:p>
         </p:txBody>
       </p:sp>
@@ -5803,7 +5844,7 @@
           <a:bodyPr/>
           <a:lstStyle/>
           <a:p>
-            <a:endParaRPr lang="zh-CN" altLang="en-US"/>
+            <a:endParaRPr lang="zh-CN" altLang="en-US" dirty="0"/>
           </a:p>
         </p:txBody>
       </p:sp>
@@ -5947,6 +5988,317 @@
     <p:extLst>
       <p:ext uri="{BB962C8B-B14F-4D97-AF65-F5344CB8AC3E}">
         <p14:creationId xmlns:p14="http://schemas.microsoft.com/office/powerpoint/2010/main" val="2700580576"/>
+      </p:ext>
+    </p:extLst>
+  </p:cSld>
+  <p:clrMapOvr>
+    <a:masterClrMapping/>
+  </p:clrMapOvr>
+</p:sld>
+</file>
+
+<file path=ppt/slides/slide4.xml><?xml version="1.0" encoding="utf-8"?>
+<p:sld xmlns:a="http://schemas.openxmlformats.org/drawingml/2006/main" xmlns:r="http://schemas.openxmlformats.org/officeDocument/2006/relationships" xmlns:p="http://schemas.openxmlformats.org/presentationml/2006/main">
+  <p:cSld>
+    <p:spTree>
+      <p:nvGrpSpPr>
+        <p:cNvPr id="1" name=""/>
+        <p:cNvGrpSpPr/>
+        <p:nvPr/>
+      </p:nvGrpSpPr>
+      <p:grpSpPr>
+        <a:xfrm>
+          <a:off x="0" y="0"/>
+          <a:ext cx="0" cy="0"/>
+          <a:chOff x="0" y="0"/>
+          <a:chExt cx="0" cy="0"/>
+        </a:xfrm>
+      </p:grpSpPr>
+      <p:sp>
+        <p:nvSpPr>
+          <p:cNvPr id="2" name="Title 1"/>
+          <p:cNvSpPr>
+            <a:spLocks noGrp="1"/>
+          </p:cNvSpPr>
+          <p:nvPr>
+            <p:ph type="title"/>
+          </p:nvPr>
+        </p:nvSpPr>
+        <p:spPr/>
+        <p:txBody>
+          <a:bodyPr>
+            <a:normAutofit/>
+          </a:bodyPr>
+          <a:lstStyle/>
+          <a:p>
+            <a:r>
+              <a:rPr lang="zh-CN" altLang="en-US" sz="4400" dirty="0">
+                <a:latin typeface="微软雅黑" panose="020B0503020204020204" pitchFamily="34" charset="-122"/>
+                <a:ea typeface="微软雅黑" panose="020B0503020204020204" pitchFamily="34" charset="-122"/>
+              </a:rPr>
+              <a:t>新</a:t>
+            </a:r>
+            <a:r>
+              <a:rPr lang="zh-CN" altLang="en-US" sz="4400" dirty="0" smtClean="0">
+                <a:latin typeface="微软雅黑" panose="020B0503020204020204" pitchFamily="34" charset="-122"/>
+                <a:ea typeface="微软雅黑" panose="020B0503020204020204" pitchFamily="34" charset="-122"/>
+              </a:rPr>
+              <a:t>方法学</a:t>
+            </a:r>
+            <a:endParaRPr lang="zh-CN" altLang="en-US" sz="4400" dirty="0">
+              <a:latin typeface="微软雅黑" panose="020B0503020204020204" pitchFamily="34" charset="-122"/>
+              <a:ea typeface="微软雅黑" panose="020B0503020204020204" pitchFamily="34" charset="-122"/>
+            </a:endParaRPr>
+          </a:p>
+        </p:txBody>
+      </p:sp>
+      <p:sp>
+        <p:nvSpPr>
+          <p:cNvPr id="3" name="Content Placeholder 2"/>
+          <p:cNvSpPr>
+            <a:spLocks noGrp="1"/>
+          </p:cNvSpPr>
+          <p:nvPr>
+            <p:ph idx="1"/>
+          </p:nvPr>
+        </p:nvSpPr>
+        <p:spPr/>
+        <p:txBody>
+          <a:bodyPr>
+            <a:noAutofit/>
+          </a:bodyPr>
+          <a:lstStyle/>
+          <a:p>
+            <a:r>
+              <a:rPr lang="zh-CN" altLang="en-US" sz="2400" dirty="0" smtClean="0">
+                <a:latin typeface="微软雅黑" panose="020B0503020204020204" pitchFamily="34" charset="-122"/>
+                <a:ea typeface="微软雅黑" panose="020B0503020204020204" pitchFamily="34" charset="-122"/>
+              </a:rPr>
+              <a:t>作者：</a:t>
+            </a:r>
+            <a:r>
+              <a:rPr lang="en-US" altLang="zh-CN" sz="2400" dirty="0" smtClean="0">
+                <a:latin typeface="微软雅黑" panose="020B0503020204020204" pitchFamily="34" charset="-122"/>
+                <a:ea typeface="微软雅黑" panose="020B0503020204020204" pitchFamily="34" charset="-122"/>
+              </a:rPr>
+              <a:t>Martin Fowler</a:t>
+            </a:r>
+          </a:p>
+          <a:p>
+            <a:r>
+              <a:rPr lang="zh-CN" altLang="en-US" sz="2400" dirty="0" smtClean="0">
+                <a:latin typeface="微软雅黑" panose="020B0503020204020204" pitchFamily="34" charset="-122"/>
+                <a:ea typeface="微软雅黑" panose="020B0503020204020204" pitchFamily="34" charset="-122"/>
+              </a:rPr>
+              <a:t>介绍敏捷性软件开发方法</a:t>
+            </a:r>
+            <a:endParaRPr lang="en-US" altLang="zh-CN" sz="2400" dirty="0" smtClean="0">
+              <a:latin typeface="微软雅黑" panose="020B0503020204020204" pitchFamily="34" charset="-122"/>
+              <a:ea typeface="微软雅黑" panose="020B0503020204020204" pitchFamily="34" charset="-122"/>
+            </a:endParaRPr>
+          </a:p>
+          <a:p>
+            <a:r>
+              <a:rPr lang="zh-CN" altLang="en-US" sz="2400" dirty="0" smtClean="0">
+                <a:latin typeface="微软雅黑" panose="020B0503020204020204" pitchFamily="34" charset="-122"/>
+                <a:ea typeface="微软雅黑" panose="020B0503020204020204" pitchFamily="34" charset="-122"/>
+              </a:rPr>
+              <a:t>重点：</a:t>
+            </a:r>
+            <a:endParaRPr lang="en-US" altLang="zh-CN" sz="2400" dirty="0" smtClean="0">
+              <a:latin typeface="微软雅黑" panose="020B0503020204020204" pitchFamily="34" charset="-122"/>
+              <a:ea typeface="微软雅黑" panose="020B0503020204020204" pitchFamily="34" charset="-122"/>
+            </a:endParaRPr>
+          </a:p>
+          <a:p>
+            <a:pPr lvl="1"/>
+            <a:r>
+              <a:rPr lang="zh-CN" altLang="en-US" sz="2000" dirty="0" smtClean="0">
+                <a:latin typeface="微软雅黑" panose="020B0503020204020204" pitchFamily="34" charset="-122"/>
+                <a:ea typeface="微软雅黑" panose="020B0503020204020204" pitchFamily="34" charset="-122"/>
+              </a:rPr>
+              <a:t>适应性</a:t>
+            </a:r>
+            <a:endParaRPr lang="en-US" altLang="zh-CN" sz="2000" dirty="0" smtClean="0">
+              <a:latin typeface="微软雅黑" panose="020B0503020204020204" pitchFamily="34" charset="-122"/>
+              <a:ea typeface="微软雅黑" panose="020B0503020204020204" pitchFamily="34" charset="-122"/>
+            </a:endParaRPr>
+          </a:p>
+          <a:p>
+            <a:pPr lvl="1"/>
+            <a:r>
+              <a:rPr lang="zh-CN" altLang="en-US" sz="2000" dirty="0">
+                <a:latin typeface="微软雅黑" panose="020B0503020204020204" pitchFamily="34" charset="-122"/>
+                <a:ea typeface="微软雅黑" panose="020B0503020204020204" pitchFamily="34" charset="-122"/>
+              </a:rPr>
+              <a:t>以人</a:t>
+            </a:r>
+            <a:r>
+              <a:rPr lang="zh-CN" altLang="en-US" sz="2000" dirty="0" smtClean="0">
+                <a:latin typeface="微软雅黑" panose="020B0503020204020204" pitchFamily="34" charset="-122"/>
+                <a:ea typeface="微软雅黑" panose="020B0503020204020204" pitchFamily="34" charset="-122"/>
+              </a:rPr>
+              <a:t>优先</a:t>
+            </a:r>
+            <a:endParaRPr lang="en-US" altLang="zh-CN" sz="2000" dirty="0" smtClean="0">
+              <a:latin typeface="微软雅黑" panose="020B0503020204020204" pitchFamily="34" charset="-122"/>
+              <a:ea typeface="微软雅黑" panose="020B0503020204020204" pitchFamily="34" charset="-122"/>
+            </a:endParaRPr>
+          </a:p>
+          <a:p>
+            <a:pPr marL="457200" lvl="1" indent="0">
+              <a:buNone/>
+            </a:pPr>
+            <a:endParaRPr lang="en-US" altLang="zh-CN" sz="2000" dirty="0" smtClean="0">
+              <a:latin typeface="微软雅黑" panose="020B0503020204020204" pitchFamily="34" charset="-122"/>
+              <a:ea typeface="微软雅黑" panose="020B0503020204020204" pitchFamily="34" charset="-122"/>
+            </a:endParaRPr>
+          </a:p>
+          <a:p>
+            <a:r>
+              <a:rPr lang="zh-CN" altLang="en-US" sz="2400" dirty="0">
+                <a:latin typeface="微软雅黑" panose="020B0503020204020204" pitchFamily="34" charset="-122"/>
+                <a:ea typeface="微软雅黑" panose="020B0503020204020204" pitchFamily="34" charset="-122"/>
+              </a:rPr>
+              <a:t>你得在这两种方法中作选择：基于测度的管理，</a:t>
+            </a:r>
+            <a:r>
+              <a:rPr lang="zh-CN" altLang="en-US" sz="2400" dirty="0" smtClean="0">
+                <a:latin typeface="微软雅黑" panose="020B0503020204020204" pitchFamily="34" charset="-122"/>
+                <a:ea typeface="微软雅黑" panose="020B0503020204020204" pitchFamily="34" charset="-122"/>
+              </a:rPr>
+              <a:t>或是委托式管理。</a:t>
+            </a:r>
+            <a:r>
+              <a:rPr lang="zh-CN" altLang="en-US" sz="2400" dirty="0">
+                <a:latin typeface="微软雅黑" panose="020B0503020204020204" pitchFamily="34" charset="-122"/>
+                <a:ea typeface="微软雅黑" panose="020B0503020204020204" pitchFamily="34" charset="-122"/>
+              </a:rPr>
+              <a:t>基于测度的管理是非常</a:t>
+            </a:r>
+            <a:r>
+              <a:rPr lang="zh-CN" altLang="en-US" sz="2400" dirty="0" smtClean="0">
+                <a:latin typeface="微软雅黑" panose="020B0503020204020204" pitchFamily="34" charset="-122"/>
+                <a:ea typeface="微软雅黑" panose="020B0503020204020204" pitchFamily="34" charset="-122"/>
+              </a:rPr>
+              <a:t>适合简单</a:t>
+            </a:r>
+            <a:r>
+              <a:rPr lang="zh-CN" altLang="en-US" sz="2400" dirty="0">
+                <a:latin typeface="微软雅黑" panose="020B0503020204020204" pitchFamily="34" charset="-122"/>
+                <a:ea typeface="微软雅黑" panose="020B0503020204020204" pitchFamily="34" charset="-122"/>
+              </a:rPr>
+              <a:t>的、重复性的工作，知识要求低并且易于测度输出 －－ 这恰恰与</a:t>
+            </a:r>
+            <a:r>
+              <a:rPr lang="zh-CN" altLang="en-US" sz="2400" dirty="0" smtClean="0">
+                <a:latin typeface="微软雅黑" panose="020B0503020204020204" pitchFamily="34" charset="-122"/>
+                <a:ea typeface="微软雅黑" panose="020B0503020204020204" pitchFamily="34" charset="-122"/>
+              </a:rPr>
+              <a:t>软件开发相反</a:t>
+            </a:r>
+            <a:r>
+              <a:rPr lang="zh-CN" altLang="en-US" sz="2400" dirty="0">
+                <a:latin typeface="微软雅黑" panose="020B0503020204020204" pitchFamily="34" charset="-122"/>
+                <a:ea typeface="微软雅黑" panose="020B0503020204020204" pitchFamily="34" charset="-122"/>
+              </a:rPr>
+              <a:t>。</a:t>
+            </a:r>
+            <a:endParaRPr lang="en-US" altLang="zh-CN" sz="2400" dirty="0" smtClean="0">
+              <a:latin typeface="微软雅黑" panose="020B0503020204020204" pitchFamily="34" charset="-122"/>
+              <a:ea typeface="微软雅黑" panose="020B0503020204020204" pitchFamily="34" charset="-122"/>
+            </a:endParaRPr>
+          </a:p>
+        </p:txBody>
+      </p:sp>
+    </p:spTree>
+    <p:extLst>
+      <p:ext uri="{BB962C8B-B14F-4D97-AF65-F5344CB8AC3E}">
+        <p14:creationId xmlns:p14="http://schemas.microsoft.com/office/powerpoint/2010/main" val="2326896204"/>
+      </p:ext>
+    </p:extLst>
+  </p:cSld>
+  <p:clrMapOvr>
+    <a:masterClrMapping/>
+  </p:clrMapOvr>
+</p:sld>
+</file>
+
+<file path=ppt/slides/slide5.xml><?xml version="1.0" encoding="utf-8"?>
+<p:sld xmlns:a="http://schemas.openxmlformats.org/drawingml/2006/main" xmlns:r="http://schemas.openxmlformats.org/officeDocument/2006/relationships" xmlns:p="http://schemas.openxmlformats.org/presentationml/2006/main">
+  <p:cSld>
+    <p:spTree>
+      <p:nvGrpSpPr>
+        <p:cNvPr id="1" name=""/>
+        <p:cNvGrpSpPr/>
+        <p:nvPr/>
+      </p:nvGrpSpPr>
+      <p:grpSpPr>
+        <a:xfrm>
+          <a:off x="0" y="0"/>
+          <a:ext cx="0" cy="0"/>
+          <a:chOff x="0" y="0"/>
+          <a:chExt cx="0" cy="0"/>
+        </a:xfrm>
+      </p:grpSpPr>
+      <p:sp>
+        <p:nvSpPr>
+          <p:cNvPr id="4" name="Title 3"/>
+          <p:cNvSpPr>
+            <a:spLocks noGrp="1"/>
+          </p:cNvSpPr>
+          <p:nvPr>
+            <p:ph type="title"/>
+          </p:nvPr>
+        </p:nvSpPr>
+        <p:spPr/>
+        <p:txBody>
+          <a:bodyPr/>
+          <a:lstStyle/>
+          <a:p>
+            <a:r>
+              <a:rPr lang="en-US" altLang="zh-CN" dirty="0" err="1" smtClean="0"/>
+              <a:t>printf</a:t>
+            </a:r>
+            <a:r>
+              <a:rPr lang="en-US" altLang="zh-CN" dirty="0" smtClean="0"/>
+              <a:t>(“</a:t>
+            </a:r>
+            <a:r>
+              <a:rPr lang="zh-CN" altLang="en-US" sz="4800" dirty="0" smtClean="0"/>
+              <a:t>谢谢！</a:t>
+            </a:r>
+            <a:r>
+              <a:rPr lang="en-US" altLang="zh-CN" dirty="0" smtClean="0"/>
+              <a:t>”);</a:t>
+            </a:r>
+            <a:endParaRPr lang="zh-CN" altLang="en-US" dirty="0"/>
+          </a:p>
+        </p:txBody>
+      </p:sp>
+      <p:sp>
+        <p:nvSpPr>
+          <p:cNvPr id="5" name="Text Placeholder 4"/>
+          <p:cNvSpPr>
+            <a:spLocks noGrp="1"/>
+          </p:cNvSpPr>
+          <p:nvPr>
+            <p:ph type="body" idx="1"/>
+          </p:nvPr>
+        </p:nvSpPr>
+        <p:spPr/>
+        <p:txBody>
+          <a:bodyPr/>
+          <a:lstStyle/>
+          <a:p>
+            <a:endParaRPr lang="zh-CN" altLang="en-US" dirty="0"/>
+          </a:p>
+        </p:txBody>
+      </p:sp>
+    </p:spTree>
+    <p:extLst>
+      <p:ext uri="{BB962C8B-B14F-4D97-AF65-F5344CB8AC3E}">
+        <p14:creationId xmlns:p14="http://schemas.microsoft.com/office/powerpoint/2010/main" val="2283917950"/>
       </p:ext>
     </p:extLst>
   </p:cSld>
